--- a/06/Задача №1.pptx
+++ b/06/Задача №1.pptx
@@ -3041,8 +3041,8 @@
           </a:p>
         </p:txBody>
       </p:sp>
-      <mc:AlternateContent xmlns:mc="http://schemas.openxmlformats.org/markup-compatibility/2006">
-        <mc:Choice xmlns:a14="http://schemas.microsoft.com/office/drawing/2010/main" Requires="a14">
+      <mc:AlternateContent xmlns:mc="http://schemas.openxmlformats.org/markup-compatibility/2006" xmlns:a14="http://schemas.microsoft.com/office/drawing/2010/main">
+        <mc:Choice Requires="a14">
           <p:graphicFrame>
             <p:nvGraphicFramePr>
               <p:cNvPr id="6" name="Объект 5"/>
@@ -4312,7 +4312,7 @@
             </a:graphic>
           </p:graphicFrame>
         </mc:Choice>
-        <mc:Fallback>
+        <mc:Fallback xmlns="">
           <p:graphicFrame>
             <p:nvGraphicFramePr>
               <p:cNvPr id="6" name="Объект 5"/>
@@ -5010,6 +5010,42 @@
           </a:p>
         </p:txBody>
       </p:sp>
+      <p:sp>
+        <p:nvSpPr>
+          <p:cNvPr id="5" name="Прямоугольник 4"/>
+          <p:cNvSpPr/>
+          <p:nvPr/>
+        </p:nvSpPr>
+        <p:spPr>
+          <a:xfrm>
+            <a:off x="11191032" y="6399048"/>
+            <a:ext cx="1021433" cy="307777"/>
+          </a:xfrm>
+          <a:prstGeom prst="rect">
+            <a:avLst/>
+          </a:prstGeom>
+        </p:spPr>
+        <p:txBody>
+          <a:bodyPr wrap="none">
+            <a:spAutoFit/>
+          </a:bodyPr>
+          <a:lstStyle/>
+          <a:p>
+            <a:r>
+              <a:rPr lang="ru-RU" sz="1400" b="1" dirty="0" smtClean="0">
+                <a:solidFill>
+                  <a:srgbClr val="055154"/>
+                </a:solidFill>
+                <a:latin typeface="Nautilus Pompilius" panose="02000000000000000000" pitchFamily="50" charset="-52"/>
+              </a:rPr>
+              <a:t>Бахов Г.П.</a:t>
+            </a:r>
+            <a:endParaRPr lang="ru-RU" sz="1400" dirty="0">
+              <a:latin typeface="Nautilus Pompilius" panose="02000000000000000000" pitchFamily="50" charset="-52"/>
+            </a:endParaRPr>
+          </a:p>
+        </p:txBody>
+      </p:sp>
     </p:spTree>
     <p:extLst>
       <p:ext uri="{BB962C8B-B14F-4D97-AF65-F5344CB8AC3E}">
@@ -5040,8 +5076,8 @@
           <a:chExt cx="0" cy="0"/>
         </a:xfrm>
       </p:grpSpPr>
-      <mc:AlternateContent xmlns:mc="http://schemas.openxmlformats.org/markup-compatibility/2006">
-        <mc:Choice xmlns:a14="http://schemas.microsoft.com/office/drawing/2010/main" Requires="a14">
+      <mc:AlternateContent xmlns:mc="http://schemas.openxmlformats.org/markup-compatibility/2006" xmlns:a14="http://schemas.microsoft.com/office/drawing/2010/main">
+        <mc:Choice Requires="a14">
           <p:sp>
             <p:nvSpPr>
               <p:cNvPr id="2" name="Заголовок 1"/>
@@ -5062,14 +5098,7 @@
                     <a:latin typeface="Times New Roman" panose="02020603050405020304" pitchFamily="18" charset="0"/>
                     <a:cs typeface="Times New Roman" panose="02020603050405020304" pitchFamily="18" charset="0"/>
                   </a:rPr>
-                  <a:t>Аналитический </a:t>
-                </a:r>
-                <a:r>
-                  <a:rPr lang="ru-RU" dirty="0" smtClean="0">
-                    <a:latin typeface="Times New Roman" panose="02020603050405020304" pitchFamily="18" charset="0"/>
-                    <a:cs typeface="Times New Roman" panose="02020603050405020304" pitchFamily="18" charset="0"/>
-                  </a:rPr>
-                  <a:t>способ</a:t>
+                  <a:t>Аналитический способ</a:t>
                 </a:r>
                 <a:r>
                   <a:rPr lang="ru-RU" dirty="0">
@@ -5096,14 +5125,7 @@
                     <a:latin typeface="Times New Roman" panose="02020603050405020304" pitchFamily="18" charset="0"/>
                     <a:cs typeface="Times New Roman" panose="02020603050405020304" pitchFamily="18" charset="0"/>
                   </a:rPr>
-                  <a:t>1) Построим </a:t>
-                </a:r>
-                <a:r>
-                  <a:rPr lang="ru-RU" sz="2800" dirty="0" smtClean="0">
-                    <a:latin typeface="Times New Roman" panose="02020603050405020304" pitchFamily="18" charset="0"/>
-                    <a:cs typeface="Times New Roman" panose="02020603050405020304" pitchFamily="18" charset="0"/>
-                  </a:rPr>
-                  <a:t>трассировочную таблицу</a:t>
+                  <a:t>1) Построим трассировочную таблицу</a:t>
                 </a:r>
                 <a:r>
                   <a:rPr lang="en-US" sz="2800" dirty="0" smtClean="0">
@@ -5141,7 +5163,7 @@
             </p:txBody>
           </p:sp>
         </mc:Choice>
-        <mc:Fallback>
+        <mc:Fallback xmlns="">
           <p:sp>
             <p:nvSpPr>
               <p:cNvPr id="2" name="Заголовок 1"/>
@@ -5175,8 +5197,8 @@
           </p:sp>
         </mc:Fallback>
       </mc:AlternateContent>
-      <mc:AlternateContent xmlns:mc="http://schemas.openxmlformats.org/markup-compatibility/2006">
-        <mc:Choice xmlns:a14="http://schemas.microsoft.com/office/drawing/2010/main" Requires="a14">
+      <mc:AlternateContent xmlns:mc="http://schemas.openxmlformats.org/markup-compatibility/2006" xmlns:a14="http://schemas.microsoft.com/office/drawing/2010/main">
+        <mc:Choice Requires="a14">
           <p:graphicFrame>
             <p:nvGraphicFramePr>
               <p:cNvPr id="4" name="Объект 3"/>
@@ -5194,7 +5216,7 @@
             </p:nvGraphicFramePr>
             <p:xfrm>
               <a:off x="838195" y="1825625"/>
-              <a:ext cx="10142995" cy="3963865"/>
+              <a:ext cx="10142995" cy="3708400"/>
             </p:xfrm>
             <a:graphic>
               <a:graphicData uri="http://schemas.openxmlformats.org/drawingml/2006/table">
@@ -8008,7 +8030,7 @@
             </a:graphic>
           </p:graphicFrame>
         </mc:Choice>
-        <mc:Fallback>
+        <mc:Fallback xmlns="">
           <p:graphicFrame>
             <p:nvGraphicFramePr>
               <p:cNvPr id="4" name="Объект 3"/>
@@ -9135,6 +9157,42 @@
           </p:graphicFrame>
         </mc:Fallback>
       </mc:AlternateContent>
+      <p:sp>
+        <p:nvSpPr>
+          <p:cNvPr id="5" name="Прямоугольник 4"/>
+          <p:cNvSpPr/>
+          <p:nvPr/>
+        </p:nvSpPr>
+        <p:spPr>
+          <a:xfrm>
+            <a:off x="11191032" y="6399048"/>
+            <a:ext cx="1021433" cy="307777"/>
+          </a:xfrm>
+          <a:prstGeom prst="rect">
+            <a:avLst/>
+          </a:prstGeom>
+        </p:spPr>
+        <p:txBody>
+          <a:bodyPr wrap="none">
+            <a:spAutoFit/>
+          </a:bodyPr>
+          <a:lstStyle/>
+          <a:p>
+            <a:r>
+              <a:rPr lang="ru-RU" sz="1400" b="1" dirty="0" smtClean="0">
+                <a:solidFill>
+                  <a:srgbClr val="055154"/>
+                </a:solidFill>
+                <a:latin typeface="Nautilus Pompilius" panose="02000000000000000000" pitchFamily="50" charset="-52"/>
+              </a:rPr>
+              <a:t>Бахов Г.П.</a:t>
+            </a:r>
+            <a:endParaRPr lang="ru-RU" sz="1400" dirty="0">
+              <a:latin typeface="Nautilus Pompilius" panose="02000000000000000000" pitchFamily="50" charset="-52"/>
+            </a:endParaRPr>
+          </a:p>
+        </p:txBody>
+      </p:sp>
     </p:spTree>
     <p:extLst>
       <p:ext uri="{BB962C8B-B14F-4D97-AF65-F5344CB8AC3E}">
@@ -9165,8 +9223,8 @@
           <a:chExt cx="0" cy="0"/>
         </a:xfrm>
       </p:grpSpPr>
-      <mc:AlternateContent xmlns:mc="http://schemas.openxmlformats.org/markup-compatibility/2006">
-        <mc:Choice xmlns:a14="http://schemas.microsoft.com/office/drawing/2010/main" Requires="a14">
+      <mc:AlternateContent xmlns:mc="http://schemas.openxmlformats.org/markup-compatibility/2006" xmlns:a14="http://schemas.microsoft.com/office/drawing/2010/main">
+        <mc:Choice Requires="a14">
           <p:sp>
             <p:nvSpPr>
               <p:cNvPr id="2" name="Заголовок 1"/>
@@ -9203,14 +9261,7 @@
                     <a:latin typeface="Times New Roman" panose="02020603050405020304" pitchFamily="18" charset="0"/>
                     <a:cs typeface="Times New Roman" panose="02020603050405020304" pitchFamily="18" charset="0"/>
                   </a:rPr>
-                  <a:t>Заполним </a:t>
-                </a:r>
-                <a:r>
-                  <a:rPr lang="ru-RU" sz="2800" dirty="0" smtClean="0">
-                    <a:latin typeface="Times New Roman" panose="02020603050405020304" pitchFamily="18" charset="0"/>
-                    <a:cs typeface="Times New Roman" panose="02020603050405020304" pitchFamily="18" charset="0"/>
-                  </a:rPr>
-                  <a:t>столбец </a:t>
+                  <a:t>Заполним столбец </a:t>
                 </a:r>
                 <a14:m>
                   <m:oMath xmlns:m="http://schemas.openxmlformats.org/officeDocument/2006/math">
@@ -9262,7 +9313,7 @@
             </p:txBody>
           </p:sp>
         </mc:Choice>
-        <mc:Fallback>
+        <mc:Fallback xmlns="">
           <p:sp>
             <p:nvSpPr>
               <p:cNvPr id="2" name="Заголовок 1"/>
@@ -12655,8 +12706,8 @@
           </p:graphicFrame>
         </mc:Fallback>
       </mc:AlternateContent>
-      <mc:AlternateContent xmlns:mc="http://schemas.openxmlformats.org/markup-compatibility/2006">
-        <mc:Choice xmlns:a14="http://schemas.microsoft.com/office/drawing/2010/main" Requires="a14">
+      <mc:AlternateContent xmlns:mc="http://schemas.openxmlformats.org/markup-compatibility/2006" xmlns:a14="http://schemas.microsoft.com/office/drawing/2010/main">
+        <mc:Choice Requires="a14">
           <p:graphicFrame>
             <p:nvGraphicFramePr>
               <p:cNvPr id="5" name="Объект 3"/>
@@ -12673,7 +12724,7 @@
             </p:nvGraphicFramePr>
             <p:xfrm>
               <a:off x="838195" y="1825625"/>
-              <a:ext cx="9792000" cy="3935480"/>
+              <a:ext cx="9792000" cy="3708400"/>
             </p:xfrm>
             <a:graphic>
               <a:graphicData uri="http://schemas.openxmlformats.org/drawingml/2006/table">
@@ -15402,7 +15453,7 @@
             </a:graphic>
           </p:graphicFrame>
         </mc:Choice>
-        <mc:Fallback>
+        <mc:Fallback xmlns="">
           <p:graphicFrame>
             <p:nvGraphicFramePr>
               <p:cNvPr id="5" name="Объект 3"/>
@@ -16699,6 +16750,42 @@
           </p:graphicFrame>
         </mc:Fallback>
       </mc:AlternateContent>
+      <p:sp>
+        <p:nvSpPr>
+          <p:cNvPr id="6" name="Прямоугольник 5"/>
+          <p:cNvSpPr/>
+          <p:nvPr/>
+        </p:nvSpPr>
+        <p:spPr>
+          <a:xfrm>
+            <a:off x="11191032" y="6399048"/>
+            <a:ext cx="1021433" cy="307777"/>
+          </a:xfrm>
+          <a:prstGeom prst="rect">
+            <a:avLst/>
+          </a:prstGeom>
+        </p:spPr>
+        <p:txBody>
+          <a:bodyPr wrap="none">
+            <a:spAutoFit/>
+          </a:bodyPr>
+          <a:lstStyle/>
+          <a:p>
+            <a:r>
+              <a:rPr lang="ru-RU" sz="1400" b="1" dirty="0" smtClean="0">
+                <a:solidFill>
+                  <a:srgbClr val="055154"/>
+                </a:solidFill>
+                <a:latin typeface="Nautilus Pompilius" panose="02000000000000000000" pitchFamily="50" charset="-52"/>
+              </a:rPr>
+              <a:t>Бахов Г.П.</a:t>
+            </a:r>
+            <a:endParaRPr lang="ru-RU" sz="1400" dirty="0">
+              <a:latin typeface="Nautilus Pompilius" panose="02000000000000000000" pitchFamily="50" charset="-52"/>
+            </a:endParaRPr>
+          </a:p>
+        </p:txBody>
+      </p:sp>
     </p:spTree>
     <p:extLst>
       <p:ext uri="{BB962C8B-B14F-4D97-AF65-F5344CB8AC3E}">
@@ -16729,8 +16816,8 @@
           <a:chExt cx="0" cy="0"/>
         </a:xfrm>
       </p:grpSpPr>
-      <mc:AlternateContent xmlns:mc="http://schemas.openxmlformats.org/markup-compatibility/2006">
-        <mc:Choice xmlns:a14="http://schemas.microsoft.com/office/drawing/2010/main" Requires="a14">
+      <mc:AlternateContent xmlns:mc="http://schemas.openxmlformats.org/markup-compatibility/2006" xmlns:a14="http://schemas.microsoft.com/office/drawing/2010/main">
+        <mc:Choice Requires="a14">
           <p:sp>
             <p:nvSpPr>
               <p:cNvPr id="2" name="Заголовок 1"/>
@@ -16773,14 +16860,7 @@
                     <a:latin typeface="Times New Roman" panose="02020603050405020304" pitchFamily="18" charset="0"/>
                     <a:cs typeface="Times New Roman" panose="02020603050405020304" pitchFamily="18" charset="0"/>
                   </a:rPr>
-                  <a:t>Для </a:t>
-                </a:r>
-                <a:r>
-                  <a:rPr lang="ru-RU" sz="2800" dirty="0" smtClean="0">
-                    <a:latin typeface="Times New Roman" panose="02020603050405020304" pitchFamily="18" charset="0"/>
-                    <a:cs typeface="Times New Roman" panose="02020603050405020304" pitchFamily="18" charset="0"/>
-                  </a:rPr>
-                  <a:t>удобства отсортируем таблицу по возрастанию переменной </a:t>
+                  <a:t>Для удобства отсортируем таблицу по возрастанию переменной </a:t>
                 </a:r>
                 <a14:m>
                   <m:oMath xmlns:m="http://schemas.openxmlformats.org/officeDocument/2006/math">
@@ -16804,7 +16884,7 @@
             </p:txBody>
           </p:sp>
         </mc:Choice>
-        <mc:Fallback>
+        <mc:Fallback xmlns="">
           <p:sp>
             <p:nvSpPr>
               <p:cNvPr id="2" name="Заголовок 1"/>
@@ -16838,8 +16918,8 @@
           </p:sp>
         </mc:Fallback>
       </mc:AlternateContent>
-      <mc:AlternateContent xmlns:mc="http://schemas.openxmlformats.org/markup-compatibility/2006">
-        <mc:Choice xmlns:a14="http://schemas.microsoft.com/office/drawing/2010/main" Requires="a14">
+      <mc:AlternateContent xmlns:mc="http://schemas.openxmlformats.org/markup-compatibility/2006" xmlns:a14="http://schemas.microsoft.com/office/drawing/2010/main">
+        <mc:Choice Requires="a14">
           <p:graphicFrame>
             <p:nvGraphicFramePr>
               <p:cNvPr id="4" name="Объект 3"/>
@@ -18717,7 +18797,7 @@
             </a:graphic>
           </p:graphicFrame>
         </mc:Choice>
-        <mc:Fallback>
+        <mc:Fallback xmlns="">
           <p:graphicFrame>
             <p:nvGraphicFramePr>
               <p:cNvPr id="4" name="Объект 3"/>
@@ -19934,8 +20014,8 @@
           </a:p>
         </p:txBody>
       </p:sp>
-      <mc:AlternateContent xmlns:mc="http://schemas.openxmlformats.org/markup-compatibility/2006">
-        <mc:Choice xmlns:a14="http://schemas.microsoft.com/office/drawing/2010/main" Requires="a14">
+      <mc:AlternateContent xmlns:mc="http://schemas.openxmlformats.org/markup-compatibility/2006" xmlns:a14="http://schemas.microsoft.com/office/drawing/2010/main">
+        <mc:Choice Requires="a14">
           <p:sp>
             <p:nvSpPr>
               <p:cNvPr id="7" name="TextBox 6"/>
@@ -20490,7 +20570,7 @@
             </p:txBody>
           </p:sp>
         </mc:Choice>
-        <mc:Fallback>
+        <mc:Fallback xmlns="">
           <p:sp>
             <p:nvSpPr>
               <p:cNvPr id="7" name="TextBox 6"/>
@@ -20529,6 +20609,42 @@
           </p:sp>
         </mc:Fallback>
       </mc:AlternateContent>
+      <p:sp>
+        <p:nvSpPr>
+          <p:cNvPr id="6" name="Прямоугольник 5"/>
+          <p:cNvSpPr/>
+          <p:nvPr/>
+        </p:nvSpPr>
+        <p:spPr>
+          <a:xfrm>
+            <a:off x="11191032" y="6399048"/>
+            <a:ext cx="1021433" cy="307777"/>
+          </a:xfrm>
+          <a:prstGeom prst="rect">
+            <a:avLst/>
+          </a:prstGeom>
+        </p:spPr>
+        <p:txBody>
+          <a:bodyPr wrap="none">
+            <a:spAutoFit/>
+          </a:bodyPr>
+          <a:lstStyle/>
+          <a:p>
+            <a:r>
+              <a:rPr lang="ru-RU" sz="1400" b="1" dirty="0" smtClean="0">
+                <a:solidFill>
+                  <a:srgbClr val="055154"/>
+                </a:solidFill>
+                <a:latin typeface="Nautilus Pompilius" panose="02000000000000000000" pitchFamily="50" charset="-52"/>
+              </a:rPr>
+              <a:t>Бахов Г.П.</a:t>
+            </a:r>
+            <a:endParaRPr lang="ru-RU" sz="1400" dirty="0">
+              <a:latin typeface="Nautilus Pompilius" panose="02000000000000000000" pitchFamily="50" charset="-52"/>
+            </a:endParaRPr>
+          </a:p>
+        </p:txBody>
+      </p:sp>
     </p:spTree>
     <p:extLst>
       <p:ext uri="{BB962C8B-B14F-4D97-AF65-F5344CB8AC3E}">
@@ -20618,14 +20734,7 @@
                 <a:latin typeface="Times New Roman" panose="02020603050405020304" pitchFamily="18" charset="0"/>
                 <a:cs typeface="Times New Roman" panose="02020603050405020304" pitchFamily="18" charset="0"/>
               </a:rPr>
-              <a:t>Создадим </a:t>
-            </a:r>
-            <a:r>
-              <a:rPr lang="ru-RU" dirty="0" smtClean="0">
-                <a:latin typeface="Times New Roman" panose="02020603050405020304" pitchFamily="18" charset="0"/>
-                <a:cs typeface="Times New Roman" panose="02020603050405020304" pitchFamily="18" charset="0"/>
-              </a:rPr>
-              <a:t>список для всевозможных запусков</a:t>
+              <a:t>Создадим список для всевозможных запусков</a:t>
             </a:r>
             <a:r>
               <a:rPr lang="en-US" dirty="0" smtClean="0">
@@ -20666,6 +20775,42 @@
           </a:prstGeom>
         </p:spPr>
       </p:pic>
+      <p:sp>
+        <p:nvSpPr>
+          <p:cNvPr id="5" name="Прямоугольник 4"/>
+          <p:cNvSpPr/>
+          <p:nvPr/>
+        </p:nvSpPr>
+        <p:spPr>
+          <a:xfrm>
+            <a:off x="11191032" y="6399048"/>
+            <a:ext cx="1021433" cy="307777"/>
+          </a:xfrm>
+          <a:prstGeom prst="rect">
+            <a:avLst/>
+          </a:prstGeom>
+        </p:spPr>
+        <p:txBody>
+          <a:bodyPr wrap="none">
+            <a:spAutoFit/>
+          </a:bodyPr>
+          <a:lstStyle/>
+          <a:p>
+            <a:r>
+              <a:rPr lang="ru-RU" sz="1400" b="1" dirty="0" smtClean="0">
+                <a:solidFill>
+                  <a:srgbClr val="055154"/>
+                </a:solidFill>
+                <a:latin typeface="Nautilus Pompilius" panose="02000000000000000000" pitchFamily="50" charset="-52"/>
+              </a:rPr>
+              <a:t>Бахов Г.П.</a:t>
+            </a:r>
+            <a:endParaRPr lang="ru-RU" sz="1400" dirty="0">
+              <a:latin typeface="Nautilus Pompilius" panose="02000000000000000000" pitchFamily="50" charset="-52"/>
+            </a:endParaRPr>
+          </a:p>
+        </p:txBody>
+      </p:sp>
     </p:spTree>
     <p:extLst>
       <p:ext uri="{BB962C8B-B14F-4D97-AF65-F5344CB8AC3E}">
@@ -20696,8 +20841,8 @@
           <a:chExt cx="0" cy="0"/>
         </a:xfrm>
       </p:grpSpPr>
-      <mc:AlternateContent xmlns:mc="http://schemas.openxmlformats.org/markup-compatibility/2006">
-        <mc:Choice xmlns:a14="http://schemas.microsoft.com/office/drawing/2010/main" Requires="a14">
+      <mc:AlternateContent xmlns:mc="http://schemas.openxmlformats.org/markup-compatibility/2006" xmlns:a14="http://schemas.microsoft.com/office/drawing/2010/main">
+        <mc:Choice Requires="a14">
           <p:sp>
             <p:nvSpPr>
               <p:cNvPr id="3" name="Объект 2"/>
@@ -20728,14 +20873,7 @@
                     <a:latin typeface="Times New Roman" panose="02020603050405020304" pitchFamily="18" charset="0"/>
                     <a:cs typeface="Times New Roman" panose="02020603050405020304" pitchFamily="18" charset="0"/>
                   </a:rPr>
-                  <a:t>Переберем </a:t>
-                </a:r>
-                <a:r>
-                  <a:rPr lang="ru-RU" dirty="0" smtClean="0">
-                    <a:latin typeface="Times New Roman" panose="02020603050405020304" pitchFamily="18" charset="0"/>
-                    <a:cs typeface="Times New Roman" panose="02020603050405020304" pitchFamily="18" charset="0"/>
-                  </a:rPr>
-                  <a:t>всевозможные варианты </a:t>
+                  <a:t>Переберем всевозможные варианты </a:t>
                 </a:r>
                 <a14:m>
                   <m:oMath xmlns:m="http://schemas.openxmlformats.org/officeDocument/2006/math">
@@ -20756,14 +20894,7 @@
                     <a:latin typeface="Times New Roman" panose="02020603050405020304" pitchFamily="18" charset="0"/>
                     <a:cs typeface="Times New Roman" panose="02020603050405020304" pitchFamily="18" charset="0"/>
                   </a:rPr>
-                  <a:t>, </a:t>
-                </a:r>
-                <a:r>
-                  <a:rPr lang="ru-RU" dirty="0" smtClean="0">
-                    <a:latin typeface="Times New Roman" panose="02020603050405020304" pitchFamily="18" charset="0"/>
-                    <a:cs typeface="Times New Roman" panose="02020603050405020304" pitchFamily="18" charset="0"/>
-                  </a:rPr>
-                  <a:t>рекомендую брать с запасом, для данной задачи это от </a:t>
+                  <a:t>, рекомендую брать с запасом, для данной задачи это от </a:t>
                 </a:r>
                 <a14:m>
                   <m:oMath xmlns:m="http://schemas.openxmlformats.org/officeDocument/2006/math">
@@ -20859,14 +20990,7 @@
                     <a:latin typeface="Times New Roman" panose="02020603050405020304" pitchFamily="18" charset="0"/>
                     <a:cs typeface="Times New Roman" panose="02020603050405020304" pitchFamily="18" charset="0"/>
                   </a:rPr>
-                  <a:t> </a:t>
-                </a:r>
-                <a:r>
-                  <a:rPr lang="ru-RU" dirty="0" smtClean="0">
-                    <a:latin typeface="Times New Roman" panose="02020603050405020304" pitchFamily="18" charset="0"/>
-                    <a:cs typeface="Times New Roman" panose="02020603050405020304" pitchFamily="18" charset="0"/>
-                  </a:rPr>
-                  <a:t>умноженное на </a:t>
+                  <a:t> умноженное на </a:t>
                 </a:r>
                 <a14:m>
                   <m:oMath xmlns:m="http://schemas.openxmlformats.org/officeDocument/2006/math">
@@ -20915,7 +21039,7 @@
             </p:txBody>
           </p:sp>
         </mc:Choice>
-        <mc:Fallback>
+        <mc:Fallback xmlns="">
           <p:sp>
             <p:nvSpPr>
               <p:cNvPr id="3" name="Объект 2"/>
@@ -20991,6 +21115,42 @@
           </a:p>
         </p:txBody>
       </p:sp>
+      <p:sp>
+        <p:nvSpPr>
+          <p:cNvPr id="6" name="Прямоугольник 5"/>
+          <p:cNvSpPr/>
+          <p:nvPr/>
+        </p:nvSpPr>
+        <p:spPr>
+          <a:xfrm>
+            <a:off x="11191032" y="6399048"/>
+            <a:ext cx="1021433" cy="307777"/>
+          </a:xfrm>
+          <a:prstGeom prst="rect">
+            <a:avLst/>
+          </a:prstGeom>
+        </p:spPr>
+        <p:txBody>
+          <a:bodyPr wrap="none">
+            <a:spAutoFit/>
+          </a:bodyPr>
+          <a:lstStyle/>
+          <a:p>
+            <a:r>
+              <a:rPr lang="ru-RU" sz="1400" b="1" dirty="0" smtClean="0">
+                <a:solidFill>
+                  <a:srgbClr val="055154"/>
+                </a:solidFill>
+                <a:latin typeface="Nautilus Pompilius" panose="02000000000000000000" pitchFamily="50" charset="-52"/>
+              </a:rPr>
+              <a:t>Бахов Г.П.</a:t>
+            </a:r>
+            <a:endParaRPr lang="ru-RU" sz="1400" dirty="0">
+              <a:latin typeface="Nautilus Pompilius" panose="02000000000000000000" pitchFamily="50" charset="-52"/>
+            </a:endParaRPr>
+          </a:p>
+        </p:txBody>
+      </p:sp>
     </p:spTree>
     <p:extLst>
       <p:ext uri="{BB962C8B-B14F-4D97-AF65-F5344CB8AC3E}">
@@ -21021,8 +21181,8 @@
           <a:chExt cx="0" cy="0"/>
         </a:xfrm>
       </p:grpSpPr>
-      <mc:AlternateContent xmlns:mc="http://schemas.openxmlformats.org/markup-compatibility/2006">
-        <mc:Choice xmlns:a14="http://schemas.microsoft.com/office/drawing/2010/main" Requires="a14">
+      <mc:AlternateContent xmlns:mc="http://schemas.openxmlformats.org/markup-compatibility/2006" xmlns:a14="http://schemas.microsoft.com/office/drawing/2010/main">
+        <mc:Choice Requires="a14">
           <p:sp>
             <p:nvSpPr>
               <p:cNvPr id="3" name="Объект 2"/>
@@ -21058,14 +21218,7 @@
                     <a:latin typeface="Times New Roman" panose="02020603050405020304" pitchFamily="18" charset="0"/>
                     <a:cs typeface="Times New Roman" panose="02020603050405020304" pitchFamily="18" charset="0"/>
                   </a:rPr>
-                  <a:t>Далее </a:t>
-                </a:r>
-                <a:r>
-                  <a:rPr lang="ru-RU" dirty="0" smtClean="0">
-                    <a:latin typeface="Times New Roman" panose="02020603050405020304" pitchFamily="18" charset="0"/>
-                    <a:cs typeface="Times New Roman" panose="02020603050405020304" pitchFamily="18" charset="0"/>
-                  </a:rPr>
-                  <a:t>в цикле для каждого </a:t>
+                  <a:t>Далее в цикле для каждого </a:t>
                 </a:r>
                 <a14:m>
                   <m:oMath xmlns:m="http://schemas.openxmlformats.org/officeDocument/2006/math">
@@ -21171,7 +21324,7 @@
             </p:txBody>
           </p:sp>
         </mc:Choice>
-        <mc:Fallback>
+        <mc:Fallback xmlns="">
           <p:sp>
             <p:nvSpPr>
               <p:cNvPr id="3" name="Объект 2"/>
@@ -21249,6 +21402,42 @@
           <a:lstStyle/>
           <a:p>
             <a:endParaRPr lang="ru-RU"/>
+          </a:p>
+        </p:txBody>
+      </p:sp>
+      <p:sp>
+        <p:nvSpPr>
+          <p:cNvPr id="5" name="Прямоугольник 4"/>
+          <p:cNvSpPr/>
+          <p:nvPr/>
+        </p:nvSpPr>
+        <p:spPr>
+          <a:xfrm>
+            <a:off x="11191032" y="6399048"/>
+            <a:ext cx="1021433" cy="307777"/>
+          </a:xfrm>
+          <a:prstGeom prst="rect">
+            <a:avLst/>
+          </a:prstGeom>
+        </p:spPr>
+        <p:txBody>
+          <a:bodyPr wrap="none">
+            <a:spAutoFit/>
+          </a:bodyPr>
+          <a:lstStyle/>
+          <a:p>
+            <a:r>
+              <a:rPr lang="ru-RU" sz="1400" b="1" dirty="0" smtClean="0">
+                <a:solidFill>
+                  <a:srgbClr val="055154"/>
+                </a:solidFill>
+                <a:latin typeface="Nautilus Pompilius" panose="02000000000000000000" pitchFamily="50" charset="-52"/>
+              </a:rPr>
+              <a:t>Бахов Г.П.</a:t>
+            </a:r>
+            <a:endParaRPr lang="ru-RU" sz="1400" dirty="0">
+              <a:latin typeface="Nautilus Pompilius" panose="02000000000000000000" pitchFamily="50" charset="-52"/>
+            </a:endParaRPr>
           </a:p>
         </p:txBody>
       </p:sp>
